--- a/Presentation.pptx
+++ b/Presentation.pptx
@@ -197,7 +197,7 @@
             <a:pPr rtl="0"/>
             <a:fld id="{F43FFF67-0A66-4BA5-8D01-D7436A93C5DC}" type="datetime1">
               <a:rPr lang="it-IT" smtClean="0"/>
-              <a:t>14/06/2024</a:t>
+              <a:t>16/06/2024</a:t>
             </a:fld>
             <a:endParaRPr lang="it-IT" dirty="0"/>
           </a:p>
@@ -416,7 +416,7 @@
             <a:fld id="{CCC7B77D-D2C2-452D-80DB-AB1E949B0C69}" type="datetime1">
               <a:rPr lang="it-IT" smtClean="0"/>
               <a:pPr/>
-              <a:t>14/06/2024</a:t>
+              <a:t>16/06/2024</a:t>
             </a:fld>
             <a:endParaRPr lang="it-IT" dirty="0"/>
           </a:p>
@@ -10784,10 +10784,15 @@
           </p:nvPr>
         </p:nvPicPr>
         <p:blipFill>
-          <a:blip r:embed="rId3"/>
-          <a:stretch>
-            <a:fillRect/>
-          </a:stretch>
+          <a:blip r:embed="rId3">
+            <a:extLst>
+              <a:ext uri="{28A0092B-C50C-407E-A947-70E740481C1C}">
+                <a14:useLocalDpi xmlns:a14="http://schemas.microsoft.com/office/drawing/2010/main" val="0"/>
+              </a:ext>
+            </a:extLst>
+          </a:blip>
+          <a:srcRect/>
+          <a:stretch/>
         </p:blipFill>
         <p:spPr>
           <a:xfrm>

--- a/Presentation.pptx
+++ b/Presentation.pptx
@@ -12183,6 +12183,15 @@
 </file>
 
 <file path=customXml/item1.xml><?xml version="1.0" encoding="utf-8"?>
+<?mso-contentType ?>
+<FormTemplates xmlns="http://schemas.microsoft.com/sharepoint/v3/contenttype/forms">
+  <Display>DocumentLibraryForm</Display>
+  <Edit>DocumentLibraryForm</Edit>
+  <New>DocumentLibraryForm</New>
+</FormTemplates>
+</file>
+
+<file path=customXml/item2.xml><?xml version="1.0" encoding="utf-8"?>
 <p:properties xmlns:p="http://schemas.microsoft.com/office/2006/metadata/properties" xmlns:xsi="http://www.w3.org/2001/XMLSchema-instance" xmlns:pc="http://schemas.microsoft.com/office/infopath/2007/PartnerControls">
   <documentManagement>
     <Background xmlns="71af3243-3dd4-4a8d-8c0d-dd76da1f02a5">false</Background>
@@ -12200,15 +12209,6 @@
     <MediaServiceKeyPoints xmlns="71af3243-3dd4-4a8d-8c0d-dd76da1f02a5" xsi:nil="true"/>
   </documentManagement>
 </p:properties>
-</file>
-
-<file path=customXml/item2.xml><?xml version="1.0" encoding="utf-8"?>
-<?mso-contentType ?>
-<FormTemplates xmlns="http://schemas.microsoft.com/sharepoint/v3/contenttype/forms">
-  <Display>DocumentLibraryForm</Display>
-  <Edit>DocumentLibraryForm</Edit>
-  <New>DocumentLibraryForm</New>
-</FormTemplates>
 </file>
 
 <file path=customXml/item3.xml><?xml version="1.0" encoding="utf-8"?>
@@ -12524,6 +12524,14 @@
 </file>
 
 <file path=customXml/itemProps1.xml><?xml version="1.0" encoding="utf-8"?>
+<ds:datastoreItem xmlns:ds="http://schemas.openxmlformats.org/officeDocument/2006/customXml" ds:itemID="{C21FFAC0-05A2-416A-B06C-C248395482CF}">
+  <ds:schemaRefs>
+    <ds:schemaRef ds:uri="http://schemas.microsoft.com/sharepoint/v3/contenttype/forms"/>
+  </ds:schemaRefs>
+</ds:datastoreItem>
+</file>
+
+<file path=customXml/itemProps2.xml><?xml version="1.0" encoding="utf-8"?>
 <ds:datastoreItem xmlns:ds="http://schemas.openxmlformats.org/officeDocument/2006/customXml" ds:itemID="{4F4B194E-8B30-4377-8C59-ECFB902D2A26}">
   <ds:schemaRefs>
     <ds:schemaRef ds:uri="http://schemas.microsoft.com/office/2006/metadata/properties"/>
@@ -12531,14 +12539,6 @@
     <ds:schemaRef ds:uri="71af3243-3dd4-4a8d-8c0d-dd76da1f02a5"/>
     <ds:schemaRef ds:uri="http://schemas.microsoft.com/sharepoint/v3"/>
     <ds:schemaRef ds:uri="230e9df3-be65-4c73-a93b-d1236ebd677e"/>
-  </ds:schemaRefs>
-</ds:datastoreItem>
-</file>
-
-<file path=customXml/itemProps2.xml><?xml version="1.0" encoding="utf-8"?>
-<ds:datastoreItem xmlns:ds="http://schemas.openxmlformats.org/officeDocument/2006/customXml" ds:itemID="{C21FFAC0-05A2-416A-B06C-C248395482CF}">
-  <ds:schemaRefs>
-    <ds:schemaRef ds:uri="http://schemas.microsoft.com/sharepoint/v3/contenttype/forms"/>
   </ds:schemaRefs>
 </ds:datastoreItem>
 </file>
